--- a/Math 450/Presentation1.pptx
+++ b/Math 450/Presentation1.pptx
@@ -110,6 +110,10 @@
     </p:ext>
   </p:extLst>
 </p:presentation>
+</file>
+
+<file path=ppt/revisionInfo.xml><?xml version="1.0" encoding="utf-8"?>
+<p1510:revInfo xmlns:a="http://schemas.openxmlformats.org/drawingml/2006/main" xmlns:r="http://schemas.openxmlformats.org/officeDocument/2006/relationships" xmlns:p1510="http://schemas.microsoft.com/office/powerpoint/2015/10/main"/>
 </file>
 
 <file path=ppt/slideLayouts/slideLayout1.xml><?xml version="1.0" encoding="utf-8"?>
@@ -241,7 +245,7 @@
           <a:p>
             <a:fld id="{36C4E2F9-5DC1-4B10-AB70-CA4185019ADA}" type="datetimeFigureOut">
               <a:rPr lang="en-US" smtClean="0"/>
-              <a:t>3/4/2017</a:t>
+              <a:t>5/30/2017</a:t>
             </a:fld>
             <a:endParaRPr lang="en-US"/>
           </a:p>
@@ -409,7 +413,7 @@
           <a:p>
             <a:fld id="{36C4E2F9-5DC1-4B10-AB70-CA4185019ADA}" type="datetimeFigureOut">
               <a:rPr lang="en-US" smtClean="0"/>
-              <a:t>3/4/2017</a:t>
+              <a:t>5/30/2017</a:t>
             </a:fld>
             <a:endParaRPr lang="en-US"/>
           </a:p>
@@ -587,7 +591,7 @@
           <a:p>
             <a:fld id="{36C4E2F9-5DC1-4B10-AB70-CA4185019ADA}" type="datetimeFigureOut">
               <a:rPr lang="en-US" smtClean="0"/>
-              <a:t>3/4/2017</a:t>
+              <a:t>5/30/2017</a:t>
             </a:fld>
             <a:endParaRPr lang="en-US"/>
           </a:p>
@@ -755,7 +759,7 @@
           <a:p>
             <a:fld id="{36C4E2F9-5DC1-4B10-AB70-CA4185019ADA}" type="datetimeFigureOut">
               <a:rPr lang="en-US" smtClean="0"/>
-              <a:t>3/4/2017</a:t>
+              <a:t>5/30/2017</a:t>
             </a:fld>
             <a:endParaRPr lang="en-US"/>
           </a:p>
@@ -1000,7 +1004,7 @@
           <a:p>
             <a:fld id="{36C4E2F9-5DC1-4B10-AB70-CA4185019ADA}" type="datetimeFigureOut">
               <a:rPr lang="en-US" smtClean="0"/>
-              <a:t>3/4/2017</a:t>
+              <a:t>5/30/2017</a:t>
             </a:fld>
             <a:endParaRPr lang="en-US"/>
           </a:p>
@@ -1229,7 +1233,7 @@
           <a:p>
             <a:fld id="{36C4E2F9-5DC1-4B10-AB70-CA4185019ADA}" type="datetimeFigureOut">
               <a:rPr lang="en-US" smtClean="0"/>
-              <a:t>3/4/2017</a:t>
+              <a:t>5/30/2017</a:t>
             </a:fld>
             <a:endParaRPr lang="en-US"/>
           </a:p>
@@ -1593,7 +1597,7 @@
           <a:p>
             <a:fld id="{36C4E2F9-5DC1-4B10-AB70-CA4185019ADA}" type="datetimeFigureOut">
               <a:rPr lang="en-US" smtClean="0"/>
-              <a:t>3/4/2017</a:t>
+              <a:t>5/30/2017</a:t>
             </a:fld>
             <a:endParaRPr lang="en-US"/>
           </a:p>
@@ -1710,7 +1714,7 @@
           <a:p>
             <a:fld id="{36C4E2F9-5DC1-4B10-AB70-CA4185019ADA}" type="datetimeFigureOut">
               <a:rPr lang="en-US" smtClean="0"/>
-              <a:t>3/4/2017</a:t>
+              <a:t>5/30/2017</a:t>
             </a:fld>
             <a:endParaRPr lang="en-US"/>
           </a:p>
@@ -1805,7 +1809,7 @@
           <a:p>
             <a:fld id="{36C4E2F9-5DC1-4B10-AB70-CA4185019ADA}" type="datetimeFigureOut">
               <a:rPr lang="en-US" smtClean="0"/>
-              <a:t>3/4/2017</a:t>
+              <a:t>5/30/2017</a:t>
             </a:fld>
             <a:endParaRPr lang="en-US"/>
           </a:p>
@@ -2080,7 +2084,7 @@
           <a:p>
             <a:fld id="{36C4E2F9-5DC1-4B10-AB70-CA4185019ADA}" type="datetimeFigureOut">
               <a:rPr lang="en-US" smtClean="0"/>
-              <a:t>3/4/2017</a:t>
+              <a:t>5/30/2017</a:t>
             </a:fld>
             <a:endParaRPr lang="en-US"/>
           </a:p>
@@ -2332,7 +2336,7 @@
           <a:p>
             <a:fld id="{36C4E2F9-5DC1-4B10-AB70-CA4185019ADA}" type="datetimeFigureOut">
               <a:rPr lang="en-US" smtClean="0"/>
-              <a:t>3/4/2017</a:t>
+              <a:t>5/30/2017</a:t>
             </a:fld>
             <a:endParaRPr lang="en-US"/>
           </a:p>
@@ -2543,7 +2547,7 @@
           <a:p>
             <a:fld id="{36C4E2F9-5DC1-4B10-AB70-CA4185019ADA}" type="datetimeFigureOut">
               <a:rPr lang="en-US" smtClean="0"/>
-              <a:t>3/4/2017</a:t>
+              <a:t>5/30/2017</a:t>
             </a:fld>
             <a:endParaRPr lang="en-US"/>
           </a:p>
